--- a/presenatation/presentation.pptx
+++ b/presenatation/presentation.pptx
@@ -6,10 +6,10 @@
     <p:sldMasterId id="2147483698" r:id="rId2"/>
   </p:sldMasterIdLst>
   <p:notesMasterIdLst>
-    <p:notesMasterId r:id="rId19"/>
+    <p:notesMasterId r:id="rId21"/>
   </p:notesMasterIdLst>
   <p:handoutMasterIdLst>
-    <p:handoutMasterId r:id="rId20"/>
+    <p:handoutMasterId r:id="rId22"/>
   </p:handoutMasterIdLst>
   <p:sldIdLst>
     <p:sldId id="271" r:id="rId3"/>
@@ -26,8 +26,10 @@
     <p:sldId id="284" r:id="rId14"/>
     <p:sldId id="285" r:id="rId15"/>
     <p:sldId id="283" r:id="rId16"/>
-    <p:sldId id="280" r:id="rId17"/>
-    <p:sldId id="272" r:id="rId18"/>
+    <p:sldId id="287" r:id="rId17"/>
+    <p:sldId id="288" r:id="rId18"/>
+    <p:sldId id="289" r:id="rId19"/>
+    <p:sldId id="280" r:id="rId20"/>
   </p:sldIdLst>
   <p:sldSz cx="9144000" cy="6858000" type="screen4x3"/>
   <p:notesSz cx="6858000" cy="9144000"/>
@@ -266,7 +268,7 @@
               <a:pPr>
                 <a:defRPr/>
               </a:pPr>
-              <a:t>6/18/2017</a:t>
+              <a:t>6/20/2017</a:t>
             </a:fld>
             <a:endParaRPr lang="en-US"/>
           </a:p>
@@ -482,7 +484,7 @@
               <a:pPr>
                 <a:defRPr/>
               </a:pPr>
-              <a:t>6/18/2017</a:t>
+              <a:t>6/20/2017</a:t>
             </a:fld>
             <a:endParaRPr lang="en-US"/>
           </a:p>
@@ -2391,187 +2393,6 @@
         </p:txBody>
       </p:sp>
     </p:spTree>
-  </p:cSld>
-  <p:clrMapOvr>
-    <a:masterClrMapping/>
-  </p:clrMapOvr>
-</p:sldLayout>
-</file>
-
-<file path=ppt/slideLayouts/slideLayout6.xml><?xml version="1.0" encoding="utf-8"?>
-<p:sldLayout xmlns:a="http://schemas.openxmlformats.org/drawingml/2006/main" xmlns:r="http://schemas.openxmlformats.org/officeDocument/2006/relationships" xmlns:p="http://schemas.openxmlformats.org/presentationml/2006/main" userDrawn="1">
-  <p:cSld name="Финал">
-    <p:bg>
-      <p:bgPr>
-        <a:solidFill>
-          <a:schemeClr val="tx1"/>
-        </a:solidFill>
-        <a:effectLst/>
-      </p:bgPr>
-    </p:bg>
-    <p:spTree>
-      <p:nvGrpSpPr>
-        <p:cNvPr id="1" name=""/>
-        <p:cNvGrpSpPr/>
-        <p:nvPr/>
-      </p:nvGrpSpPr>
-      <p:grpSpPr>
-        <a:xfrm>
-          <a:off x="0" y="0"/>
-          <a:ext cx="0" cy="0"/>
-          <a:chOff x="0" y="0"/>
-          <a:chExt cx="0" cy="0"/>
-        </a:xfrm>
-      </p:grpSpPr>
-      <p:sp>
-        <p:nvSpPr>
-          <p:cNvPr id="5" name="Title 4"/>
-          <p:cNvSpPr>
-            <a:spLocks noGrp="1"/>
-          </p:cNvSpPr>
-          <p:nvPr>
-            <p:ph type="title" hasCustomPrompt="1"/>
-          </p:nvPr>
-        </p:nvSpPr>
-        <p:spPr>
-          <a:xfrm>
-            <a:off x="457200" y="2680371"/>
-            <a:ext cx="8229600" cy="827311"/>
-          </a:xfrm>
-        </p:spPr>
-        <p:txBody>
-          <a:bodyPr>
-            <a:normAutofit/>
-          </a:bodyPr>
-          <a:lstStyle>
-            <a:lvl1pPr algn="ctr">
-              <a:defRPr sz="3200">
-                <a:solidFill>
-                  <a:schemeClr val="bg1"/>
-                </a:solidFill>
-              </a:defRPr>
-            </a:lvl1pPr>
-          </a:lstStyle>
-          <a:p>
-            <a:r>
-              <a:rPr lang="ru-RU" dirty="0" smtClean="0"/>
-              <a:t>Спасибо за внимание!</a:t>
-            </a:r>
-            <a:endParaRPr lang="en-US" dirty="0"/>
-          </a:p>
-        </p:txBody>
-      </p:sp>
-      <p:sp>
-        <p:nvSpPr>
-          <p:cNvPr id="8" name="Text Placeholder 7"/>
-          <p:cNvSpPr>
-            <a:spLocks noGrp="1"/>
-          </p:cNvSpPr>
-          <p:nvPr>
-            <p:ph type="body" sz="quarter" idx="10" hasCustomPrompt="1"/>
-          </p:nvPr>
-        </p:nvSpPr>
-        <p:spPr>
-          <a:xfrm>
-            <a:off x="457200" y="3716939"/>
-            <a:ext cx="8229600" cy="792162"/>
-          </a:xfrm>
-        </p:spPr>
-        <p:txBody>
-          <a:bodyPr/>
-          <a:lstStyle>
-            <a:lvl1pPr marL="0" indent="0" algn="ctr">
-              <a:buFontTx/>
-              <a:buNone/>
-              <a:defRPr>
-                <a:solidFill>
-                  <a:srgbClr val="FFFFFF"/>
-                </a:solidFill>
-              </a:defRPr>
-            </a:lvl1pPr>
-            <a:lvl2pPr marL="457200" indent="0" algn="ctr">
-              <a:buFontTx/>
-              <a:buNone/>
-              <a:defRPr>
-                <a:solidFill>
-                  <a:srgbClr val="FFFFFF"/>
-                </a:solidFill>
-              </a:defRPr>
-            </a:lvl2pPr>
-            <a:lvl3pPr marL="914400" indent="0" algn="ctr">
-              <a:buFontTx/>
-              <a:buNone/>
-              <a:defRPr>
-                <a:solidFill>
-                  <a:srgbClr val="FFFFFF"/>
-                </a:solidFill>
-              </a:defRPr>
-            </a:lvl3pPr>
-            <a:lvl4pPr marL="1371600" indent="0" algn="ctr">
-              <a:buFontTx/>
-              <a:buNone/>
-              <a:defRPr>
-                <a:solidFill>
-                  <a:srgbClr val="FFFFFF"/>
-                </a:solidFill>
-              </a:defRPr>
-            </a:lvl4pPr>
-            <a:lvl5pPr marL="1828800" indent="0" algn="ctr">
-              <a:buFontTx/>
-              <a:buNone/>
-              <a:defRPr>
-                <a:solidFill>
-                  <a:srgbClr val="FFFFFF"/>
-                </a:solidFill>
-              </a:defRPr>
-            </a:lvl5pPr>
-          </a:lstStyle>
-          <a:p>
-            <a:pPr lvl="0"/>
-            <a:r>
-              <a:rPr lang="ru-RU" dirty="0" smtClean="0"/>
-              <a:t>Контактные данные</a:t>
-            </a:r>
-            <a:endParaRPr lang="en-US" dirty="0" smtClean="0"/>
-          </a:p>
-        </p:txBody>
-      </p:sp>
-      <p:pic>
-        <p:nvPicPr>
-          <p:cNvPr id="6" name="Picture 5" descr="ITMO_logo1_RU.png"/>
-          <p:cNvPicPr>
-            <a:picLocks noChangeAspect="1"/>
-          </p:cNvPicPr>
-          <p:nvPr userDrawn="1"/>
-        </p:nvPicPr>
-        <p:blipFill>
-          <a:blip r:embed="rId2">
-            <a:extLst>
-              <a:ext uri="{28A0092B-C50C-407E-A947-70E740481C1C}">
-                <a14:useLocalDpi xmlns:a14="http://schemas.microsoft.com/office/drawing/2010/main" val="0"/>
-              </a:ext>
-            </a:extLst>
-          </a:blip>
-          <a:stretch>
-            <a:fillRect/>
-          </a:stretch>
-        </p:blipFill>
-        <p:spPr>
-          <a:xfrm>
-            <a:off x="3086331" y="763789"/>
-            <a:ext cx="2971338" cy="1233106"/>
-          </a:xfrm>
-          <a:prstGeom prst="rect">
-            <a:avLst/>
-          </a:prstGeom>
-        </p:spPr>
-      </p:pic>
-    </p:spTree>
-    <p:extLst>
-      <p:ext uri="{BB962C8B-B14F-4D97-AF65-F5344CB8AC3E}">
-        <p14:creationId xmlns:p14="http://schemas.microsoft.com/office/powerpoint/2010/main" val="1196235008"/>
-      </p:ext>
-    </p:extLst>
   </p:cSld>
   <p:clrMapOvr>
     <a:masterClrMapping/>
@@ -3376,7 +3197,7 @@
           <p:nvPr userDrawn="1"/>
         </p:nvPicPr>
         <p:blipFill>
-          <a:blip r:embed="rId6"/>
+          <a:blip r:embed="rId5"/>
           <a:srcRect/>
           <a:stretch>
             <a:fillRect/>
@@ -3428,7 +3249,11 @@
             </a:fld>
             <a:r>
               <a:rPr lang="en-US" sz="2000" baseline="0" dirty="0" smtClean="0"/>
-              <a:t> / 16</a:t>
+              <a:t> </a:t>
+            </a:r>
+            <a:r>
+              <a:rPr lang="en-US" sz="2000" baseline="0" dirty="0" smtClean="0"/>
+              <a:t>/ 18</a:t>
             </a:r>
             <a:endParaRPr lang="ru-RU" sz="2000" baseline="0" dirty="0"/>
           </a:p>
@@ -3441,7 +3266,6 @@
     <p:sldLayoutId id="2147483727" r:id="rId1"/>
     <p:sldLayoutId id="2147483730" r:id="rId2"/>
     <p:sldLayoutId id="2147483731" r:id="rId3"/>
-    <p:sldLayoutId id="2147483732" r:id="rId4"/>
   </p:sldLayoutIdLst>
   <p:hf sldNum="0" hdr="0" dt="0"/>
   <p:txStyles>
@@ -3585,7 +3409,7 @@
         </a:spcAft>
         <a:buSzPct val="100000"/>
         <a:buBlip>
-          <a:blip r:embed="rId7"/>
+          <a:blip r:embed="rId6"/>
         </a:buBlip>
         <a:defRPr sz="2000" kern="1200">
           <a:solidFill>
@@ -4487,7 +4311,7 @@
       </p:pic>
       <p:pic>
         <p:nvPicPr>
-          <p:cNvPr id="4099" name="Picture 3" descr="C:\F\git\diplom\text\pics\types_new.png"/>
+          <p:cNvPr id="4100" name="Picture 4" descr="C:\F\git\diplom\text\pics\ind.png"/>
           <p:cNvPicPr>
             <a:picLocks noChangeAspect="1" noChangeArrowheads="1"/>
           </p:cNvPicPr>
@@ -4495,47 +4319,6 @@
         </p:nvPicPr>
         <p:blipFill>
           <a:blip r:embed="rId3">
-            <a:extLst>
-              <a:ext uri="{28A0092B-C50C-407E-A947-70E740481C1C}">
-                <a14:useLocalDpi xmlns:a14="http://schemas.microsoft.com/office/drawing/2010/main" val="0"/>
-              </a:ext>
-            </a:extLst>
-          </a:blip>
-          <a:srcRect/>
-          <a:stretch>
-            <a:fillRect/>
-          </a:stretch>
-        </p:blipFill>
-        <p:spPr bwMode="auto">
-          <a:xfrm>
-            <a:off x="4175579" y="2779713"/>
-            <a:ext cx="1371600" cy="866775"/>
-          </a:xfrm>
-          <a:prstGeom prst="rect">
-            <a:avLst/>
-          </a:prstGeom>
-          <a:noFill/>
-          <a:extLst>
-            <a:ext uri="{909E8E84-426E-40DD-AFC4-6F175D3DCCD1}">
-              <a14:hiddenFill xmlns:a14="http://schemas.microsoft.com/office/drawing/2010/main">
-                <a:solidFill>
-                  <a:srgbClr val="FFFFFF"/>
-                </a:solidFill>
-              </a14:hiddenFill>
-            </a:ext>
-          </a:extLst>
-        </p:spPr>
-      </p:pic>
-      <p:pic>
-        <p:nvPicPr>
-          <p:cNvPr id="4100" name="Picture 4" descr="C:\F\git\diplom\text\pics\ind.png"/>
-          <p:cNvPicPr>
-            <a:picLocks noChangeAspect="1" noChangeArrowheads="1"/>
-          </p:cNvPicPr>
-          <p:nvPr/>
-        </p:nvPicPr>
-        <p:blipFill>
-          <a:blip r:embed="rId4">
             <a:extLst>
               <a:ext uri="{28A0092B-C50C-407E-A947-70E740481C1C}">
                 <a14:useLocalDpi xmlns:a14="http://schemas.microsoft.com/office/drawing/2010/main" val="0"/>
@@ -4576,7 +4359,7 @@
           <p:nvPr/>
         </p:nvPicPr>
         <p:blipFill>
-          <a:blip r:embed="rId5">
+          <a:blip r:embed="rId4">
             <a:extLst>
               <a:ext uri="{28A0092B-C50C-407E-A947-70E740481C1C}">
                 <a14:useLocalDpi xmlns:a14="http://schemas.microsoft.com/office/drawing/2010/main" val="0"/>
@@ -4592,6 +4375,47 @@
           <a:xfrm>
             <a:off x="4175579" y="4150359"/>
             <a:ext cx="2676525" cy="581025"/>
+          </a:xfrm>
+          <a:prstGeom prst="rect">
+            <a:avLst/>
+          </a:prstGeom>
+          <a:noFill/>
+          <a:extLst>
+            <a:ext uri="{909E8E84-426E-40DD-AFC4-6F175D3DCCD1}">
+              <a14:hiddenFill xmlns:a14="http://schemas.microsoft.com/office/drawing/2010/main">
+                <a:solidFill>
+                  <a:srgbClr val="FFFFFF"/>
+                </a:solidFill>
+              </a14:hiddenFill>
+            </a:ext>
+          </a:extLst>
+        </p:spPr>
+      </p:pic>
+      <p:pic>
+        <p:nvPicPr>
+          <p:cNvPr id="2050" name="Picture 2" descr="C:\F\git\diplom\text\pics\types_new.png"/>
+          <p:cNvPicPr>
+            <a:picLocks noChangeAspect="1" noChangeArrowheads="1"/>
+          </p:cNvPicPr>
+          <p:nvPr/>
+        </p:nvPicPr>
+        <p:blipFill>
+          <a:blip r:embed="rId5">
+            <a:extLst>
+              <a:ext uri="{28A0092B-C50C-407E-A947-70E740481C1C}">
+                <a14:useLocalDpi xmlns:a14="http://schemas.microsoft.com/office/drawing/2010/main" val="0"/>
+              </a:ext>
+            </a:extLst>
+          </a:blip>
+          <a:srcRect/>
+          <a:stretch>
+            <a:fillRect/>
+          </a:stretch>
+        </p:blipFill>
+        <p:spPr bwMode="auto">
+          <a:xfrm>
+            <a:off x="4175035" y="2779350"/>
+            <a:ext cx="1371600" cy="866775"/>
           </a:xfrm>
           <a:prstGeom prst="rect">
             <a:avLst/>
@@ -5055,48 +4879,60 @@
           <a:p>
             <a:r>
               <a:rPr lang="ru-RU" dirty="0" smtClean="0"/>
-              <a:t>Реальные данные</a:t>
-            </a:r>
-          </a:p>
-          <a:p>
-            <a:pPr lvl="1"/>
-            <a:r>
-              <a:rPr lang="ru-RU" dirty="0" smtClean="0"/>
-              <a:t>В ближайшие </a:t>
+              <a:t>Для тестирования на реальных решениях был взят муниципальный тур Всероссий</a:t>
+            </a:r>
+            <a:r>
+              <a:rPr lang="ru-RU" dirty="0" smtClean="0"/>
+              <a:t>ской олимпиады по информатике</a:t>
+            </a:r>
+          </a:p>
+          <a:p>
+            <a:r>
+              <a:rPr lang="ru-RU" dirty="0" smtClean="0"/>
+              <a:t>Рассмотрены решения на </a:t>
             </a:r>
             <a:r>
               <a:rPr lang="en-US" dirty="0" smtClean="0"/>
-              <a:t>EPS </a:t>
-            </a:r>
-            <a:r>
-              <a:rPr lang="ru-RU" dirty="0" smtClean="0"/>
-              <a:t>дней будет </a:t>
-            </a:r>
-            <a:r>
-              <a:rPr lang="ru-RU" dirty="0" err="1" smtClean="0"/>
-              <a:t>распаршен</a:t>
-            </a:r>
-            <a:r>
-              <a:rPr lang="ru-RU" dirty="0" smtClean="0"/>
-              <a:t> архив древних </a:t>
-            </a:r>
-            <a:r>
-              <a:rPr lang="ru-RU" dirty="0" err="1" smtClean="0"/>
-              <a:t>сабмитов</a:t>
-            </a:r>
-            <a:r>
-              <a:rPr lang="ru-RU" dirty="0" smtClean="0"/>
-              <a:t> </a:t>
-            </a:r>
-            <a:r>
-              <a:rPr lang="ru-RU" dirty="0" err="1" smtClean="0"/>
-              <a:t>петразоводских</a:t>
-            </a:r>
-            <a:r>
-              <a:rPr lang="ru-RU" dirty="0" smtClean="0"/>
-              <a:t> сборов и проведено тестирование.</a:t>
-            </a:r>
-            <a:endParaRPr lang="ru-RU" dirty="0"/>
+              <a:t>Pascal ABC </a:t>
+            </a:r>
+            <a:r>
+              <a:rPr lang="ru-RU" dirty="0" smtClean="0"/>
+              <a:t>и </a:t>
+            </a:r>
+            <a:r>
+              <a:rPr lang="en-US" dirty="0" smtClean="0"/>
+              <a:t>Free Pascal</a:t>
+            </a:r>
+          </a:p>
+          <a:p>
+            <a:r>
+              <a:rPr lang="ru-RU" dirty="0" smtClean="0"/>
+              <a:t>440 человек, 1865 решений</a:t>
+            </a:r>
+          </a:p>
+          <a:p>
+            <a:r>
+              <a:rPr lang="ru-RU" dirty="0" smtClean="0"/>
+              <a:t>Пять задач: </a:t>
+            </a:r>
+            <a:r>
+              <a:rPr lang="en-US" dirty="0" smtClean="0"/>
+              <a:t>A, B, C, D</a:t>
+            </a:r>
+            <a:r>
+              <a:rPr lang="ru-RU" dirty="0" smtClean="0"/>
+              <a:t> и </a:t>
+            </a:r>
+            <a:r>
+              <a:rPr lang="en-US" dirty="0" smtClean="0"/>
+              <a:t>E</a:t>
+            </a:r>
+          </a:p>
+          <a:p>
+            <a:pPr marL="0" indent="0">
+              <a:buNone/>
+            </a:pPr>
+            <a:endParaRPr lang="ru-RU" dirty="0" smtClean="0"/>
           </a:p>
         </p:txBody>
       </p:sp>
@@ -5205,36 +5041,50 @@
           <a:bodyPr/>
           <a:lstStyle/>
           <a:p>
-            <a:r>
-              <a:rPr lang="ru-RU" dirty="0" smtClean="0"/>
-              <a:t>Разработан метод синтеза исправлений для неверных решений задач по программированию</a:t>
-            </a:r>
-          </a:p>
-          <a:p>
-            <a:r>
-              <a:rPr lang="ru-RU" dirty="0" smtClean="0"/>
-              <a:t>Проведено комплексное тестирование*</a:t>
-            </a:r>
-          </a:p>
-          <a:p>
-            <a:r>
-              <a:rPr lang="ru-RU" dirty="0" smtClean="0"/>
-              <a:t>Было замечено, что существуют относительно универсальные исправления, которые можно использовать в разных задачах</a:t>
-            </a:r>
-          </a:p>
-          <a:p>
-            <a:r>
-              <a:rPr lang="ru-RU" dirty="0" smtClean="0"/>
-              <a:t>Получаем метод, в перспективе готовый к внедрению в </a:t>
-            </a:r>
-            <a:r>
-              <a:rPr lang="en-US" dirty="0" smtClean="0"/>
-              <a:t>PCMS2 </a:t>
-            </a:r>
-            <a:r>
-              <a:rPr lang="ru-RU" dirty="0" smtClean="0"/>
-              <a:t>при помощи плагина</a:t>
-            </a:r>
+            <a:pPr marL="0" indent="0">
+              <a:buNone/>
+            </a:pPr>
+            <a:endParaRPr lang="ru-RU" dirty="0"/>
+          </a:p>
+          <a:p>
+            <a:endParaRPr lang="ru-RU" dirty="0" smtClean="0"/>
+          </a:p>
+          <a:p>
+            <a:endParaRPr lang="ru-RU" dirty="0"/>
+          </a:p>
+          <a:p>
+            <a:endParaRPr lang="ru-RU" dirty="0" smtClean="0"/>
+          </a:p>
+          <a:p>
+            <a:endParaRPr lang="ru-RU" dirty="0" smtClean="0"/>
+          </a:p>
+          <a:p>
+            <a:endParaRPr lang="ru-RU" dirty="0"/>
+          </a:p>
+          <a:p>
+            <a:pPr marL="0" indent="0">
+              <a:buNone/>
+            </a:pPr>
+            <a:endParaRPr lang="ru-RU" dirty="0" smtClean="0"/>
+          </a:p>
+          <a:p>
+            <a:endParaRPr lang="ru-RU" dirty="0"/>
+          </a:p>
+          <a:p>
+            <a:endParaRPr lang="ru-RU" dirty="0" smtClean="0"/>
+          </a:p>
+          <a:p>
+            <a:r>
+              <a:rPr lang="ru-RU" dirty="0" smtClean="0"/>
+              <a:t>Из данных диаграмм видно, что рассматривать первые тесты не особо осмысленно</a:t>
+            </a:r>
+            <a:endParaRPr lang="en-US" dirty="0" smtClean="0"/>
+          </a:p>
+          <a:p>
+            <a:pPr marL="0" indent="0">
+              <a:buNone/>
+            </a:pPr>
+            <a:endParaRPr lang="ru-RU" dirty="0" smtClean="0"/>
           </a:p>
         </p:txBody>
       </p:sp>
@@ -5255,7 +5105,15 @@
           <a:p>
             <a:r>
               <a:rPr lang="ru-RU" dirty="0" smtClean="0"/>
-              <a:t>Результаты</a:t>
+              <a:t>Средний </a:t>
+            </a:r>
+            <a:r>
+              <a:rPr lang="en-US" dirty="0" smtClean="0"/>
+              <a:t>diff </a:t>
+            </a:r>
+            <a:r>
+              <a:rPr lang="ru-RU" dirty="0" smtClean="0"/>
+              <a:t>решений по тестам</a:t>
             </a:r>
             <a:endParaRPr lang="ru-RU" dirty="0"/>
           </a:p>
@@ -5291,10 +5149,215 @@
           </a:p>
         </p:txBody>
       </p:sp>
+      <p:pic>
+        <p:nvPicPr>
+          <p:cNvPr id="4098" name="Picture 2" descr="C:\F\git\diplom\text\pics\diagC-1.png"/>
+          <p:cNvPicPr>
+            <a:picLocks noChangeAspect="1" noChangeArrowheads="1"/>
+          </p:cNvPicPr>
+          <p:nvPr/>
+        </p:nvPicPr>
+        <p:blipFill>
+          <a:blip r:embed="rId2">
+            <a:extLst>
+              <a:ext uri="{28A0092B-C50C-407E-A947-70E740481C1C}">
+                <a14:useLocalDpi xmlns:a14="http://schemas.microsoft.com/office/drawing/2010/main" val="0"/>
+              </a:ext>
+            </a:extLst>
+          </a:blip>
+          <a:srcRect/>
+          <a:stretch>
+            <a:fillRect/>
+          </a:stretch>
+        </p:blipFill>
+        <p:spPr bwMode="auto">
+          <a:xfrm>
+            <a:off x="5050873" y="2620486"/>
+            <a:ext cx="3040208" cy="2624349"/>
+          </a:xfrm>
+          <a:prstGeom prst="rect">
+            <a:avLst/>
+          </a:prstGeom>
+          <a:noFill/>
+          <a:extLst>
+            <a:ext uri="{909E8E84-426E-40DD-AFC4-6F175D3DCCD1}">
+              <a14:hiddenFill xmlns:a14="http://schemas.microsoft.com/office/drawing/2010/main">
+                <a:solidFill>
+                  <a:srgbClr val="FFFFFF"/>
+                </a:solidFill>
+              </a14:hiddenFill>
+            </a:ext>
+          </a:extLst>
+        </p:spPr>
+      </p:pic>
+      <p:pic>
+        <p:nvPicPr>
+          <p:cNvPr id="4099" name="Picture 3" descr="C:\F\git\diplom\text\pics\diagD-1.png"/>
+          <p:cNvPicPr>
+            <a:picLocks noChangeAspect="1" noChangeArrowheads="1"/>
+          </p:cNvPicPr>
+          <p:nvPr/>
+        </p:nvPicPr>
+        <p:blipFill>
+          <a:blip r:embed="rId3">
+            <a:extLst>
+              <a:ext uri="{28A0092B-C50C-407E-A947-70E740481C1C}">
+                <a14:useLocalDpi xmlns:a14="http://schemas.microsoft.com/office/drawing/2010/main" val="0"/>
+              </a:ext>
+            </a:extLst>
+          </a:blip>
+          <a:srcRect/>
+          <a:stretch>
+            <a:fillRect/>
+          </a:stretch>
+        </p:blipFill>
+        <p:spPr bwMode="auto">
+          <a:xfrm>
+            <a:off x="248193" y="3932662"/>
+            <a:ext cx="2338253" cy="2052012"/>
+          </a:xfrm>
+          <a:prstGeom prst="rect">
+            <a:avLst/>
+          </a:prstGeom>
+          <a:noFill/>
+          <a:extLst>
+            <a:ext uri="{909E8E84-426E-40DD-AFC4-6F175D3DCCD1}">
+              <a14:hiddenFill xmlns:a14="http://schemas.microsoft.com/office/drawing/2010/main">
+                <a:solidFill>
+                  <a:srgbClr val="FFFFFF"/>
+                </a:solidFill>
+              </a14:hiddenFill>
+            </a:ext>
+          </a:extLst>
+        </p:spPr>
+      </p:pic>
+      <p:pic>
+        <p:nvPicPr>
+          <p:cNvPr id="4100" name="Picture 4" descr="C:\F\git\diplom\text\pics\diagE-1.png"/>
+          <p:cNvPicPr>
+            <a:picLocks noChangeAspect="1" noChangeArrowheads="1"/>
+          </p:cNvPicPr>
+          <p:nvPr/>
+        </p:nvPicPr>
+        <p:blipFill>
+          <a:blip r:embed="rId4">
+            <a:extLst>
+              <a:ext uri="{28A0092B-C50C-407E-A947-70E740481C1C}">
+                <a14:useLocalDpi xmlns:a14="http://schemas.microsoft.com/office/drawing/2010/main" val="0"/>
+              </a:ext>
+            </a:extLst>
+          </a:blip>
+          <a:srcRect/>
+          <a:stretch>
+            <a:fillRect/>
+          </a:stretch>
+        </p:blipFill>
+        <p:spPr bwMode="auto">
+          <a:xfrm>
+            <a:off x="2586447" y="3932663"/>
+            <a:ext cx="2464426" cy="2052012"/>
+          </a:xfrm>
+          <a:prstGeom prst="rect">
+            <a:avLst/>
+          </a:prstGeom>
+          <a:noFill/>
+          <a:extLst>
+            <a:ext uri="{909E8E84-426E-40DD-AFC4-6F175D3DCCD1}">
+              <a14:hiddenFill xmlns:a14="http://schemas.microsoft.com/office/drawing/2010/main">
+                <a:solidFill>
+                  <a:srgbClr val="FFFFFF"/>
+                </a:solidFill>
+              </a14:hiddenFill>
+            </a:ext>
+          </a:extLst>
+        </p:spPr>
+      </p:pic>
+      <p:pic>
+        <p:nvPicPr>
+          <p:cNvPr id="4101" name="Picture 5" descr="C:\F\git\diplom\text\pics\diagA-1.png"/>
+          <p:cNvPicPr>
+            <a:picLocks noChangeAspect="1" noChangeArrowheads="1"/>
+          </p:cNvPicPr>
+          <p:nvPr/>
+        </p:nvPicPr>
+        <p:blipFill>
+          <a:blip r:embed="rId5">
+            <a:extLst>
+              <a:ext uri="{28A0092B-C50C-407E-A947-70E740481C1C}">
+                <a14:useLocalDpi xmlns:a14="http://schemas.microsoft.com/office/drawing/2010/main" val="0"/>
+              </a:ext>
+            </a:extLst>
+          </a:blip>
+          <a:srcRect/>
+          <a:stretch>
+            <a:fillRect/>
+          </a:stretch>
+        </p:blipFill>
+        <p:spPr bwMode="auto">
+          <a:xfrm>
+            <a:off x="248193" y="1802560"/>
+            <a:ext cx="2338253" cy="2130101"/>
+          </a:xfrm>
+          <a:prstGeom prst="rect">
+            <a:avLst/>
+          </a:prstGeom>
+          <a:noFill/>
+          <a:extLst>
+            <a:ext uri="{909E8E84-426E-40DD-AFC4-6F175D3DCCD1}">
+              <a14:hiddenFill xmlns:a14="http://schemas.microsoft.com/office/drawing/2010/main">
+                <a:solidFill>
+                  <a:srgbClr val="FFFFFF"/>
+                </a:solidFill>
+              </a14:hiddenFill>
+            </a:ext>
+          </a:extLst>
+        </p:spPr>
+      </p:pic>
+      <p:pic>
+        <p:nvPicPr>
+          <p:cNvPr id="4102" name="Picture 6" descr="C:\F\git\diplom\text\pics\diagB-1.png"/>
+          <p:cNvPicPr>
+            <a:picLocks noChangeAspect="1" noChangeArrowheads="1"/>
+          </p:cNvPicPr>
+          <p:nvPr/>
+        </p:nvPicPr>
+        <p:blipFill>
+          <a:blip r:embed="rId6">
+            <a:extLst>
+              <a:ext uri="{28A0092B-C50C-407E-A947-70E740481C1C}">
+                <a14:useLocalDpi xmlns:a14="http://schemas.microsoft.com/office/drawing/2010/main" val="0"/>
+              </a:ext>
+            </a:extLst>
+          </a:blip>
+          <a:srcRect/>
+          <a:stretch>
+            <a:fillRect/>
+          </a:stretch>
+        </p:blipFill>
+        <p:spPr bwMode="auto">
+          <a:xfrm>
+            <a:off x="2586446" y="1870200"/>
+            <a:ext cx="2312116" cy="2062461"/>
+          </a:xfrm>
+          <a:prstGeom prst="rect">
+            <a:avLst/>
+          </a:prstGeom>
+          <a:noFill/>
+          <a:extLst>
+            <a:ext uri="{909E8E84-426E-40DD-AFC4-6F175D3DCCD1}">
+              <a14:hiddenFill xmlns:a14="http://schemas.microsoft.com/office/drawing/2010/main">
+                <a:solidFill>
+                  <a:srgbClr val="FFFFFF"/>
+                </a:solidFill>
+              </a14:hiddenFill>
+            </a:ext>
+          </a:extLst>
+        </p:spPr>
+      </p:pic>
     </p:spTree>
     <p:extLst>
       <p:ext uri="{BB962C8B-B14F-4D97-AF65-F5344CB8AC3E}">
-        <p14:creationId xmlns:p14="http://schemas.microsoft.com/office/powerpoint/2010/main" val="3339536594"/>
+        <p14:creationId xmlns:p14="http://schemas.microsoft.com/office/powerpoint/2010/main" val="1073926489"/>
       </p:ext>
     </p:extLst>
   </p:cSld>
@@ -5330,12 +5393,12 @@
       </p:grpSpPr>
       <p:sp>
         <p:nvSpPr>
-          <p:cNvPr id="2" name="Title 1"/>
-          <p:cNvSpPr>
-            <a:spLocks noGrp="1"/>
-          </p:cNvSpPr>
-          <p:nvPr>
-            <p:ph type="title"/>
+          <p:cNvPr id="2" name="Объект 1"/>
+          <p:cNvSpPr>
+            <a:spLocks noGrp="1"/>
+          </p:cNvSpPr>
+          <p:nvPr>
+            <p:ph sz="half" idx="1"/>
           </p:nvPr>
         </p:nvSpPr>
         <p:spPr/>
@@ -5345,207 +5408,723 @@
           <a:p>
             <a:r>
               <a:rPr lang="ru-RU" dirty="0" smtClean="0"/>
-              <a:t>Спасибо за внимание</a:t>
+              <a:t>Из пар задача-тест с высокой репрезентативностью, и относительно небольшим </a:t>
             </a:r>
             <a:r>
               <a:rPr lang="en-US" dirty="0" smtClean="0"/>
-              <a:t>!</a:t>
-            </a:r>
-            <a:endParaRPr lang="en-US" dirty="0"/>
-          </a:p>
-        </p:txBody>
-      </p:sp>
-      <p:sp>
-        <p:nvSpPr>
-          <p:cNvPr id="5" name="Subtitle 5"/>
-          <p:cNvSpPr txBox="1">
-            <a:spLocks/>
-          </p:cNvSpPr>
+              <a:t>diff-</a:t>
+            </a:r>
+            <a:r>
+              <a:rPr lang="ru-RU" dirty="0" smtClean="0"/>
+              <a:t>ом можно выделить три:</a:t>
+            </a:r>
+          </a:p>
+          <a:p>
+            <a:endParaRPr lang="ru-RU" dirty="0"/>
+          </a:p>
+          <a:p>
+            <a:endParaRPr lang="ru-RU" dirty="0" smtClean="0"/>
+          </a:p>
+          <a:p>
+            <a:endParaRPr lang="ru-RU" dirty="0"/>
+          </a:p>
+          <a:p>
+            <a:pPr marL="0" indent="0">
+              <a:buNone/>
+            </a:pPr>
+            <a:endParaRPr lang="ru-RU" dirty="0" smtClean="0"/>
+          </a:p>
+          <a:p>
+            <a:r>
+              <a:rPr lang="en-US" dirty="0" smtClean="0"/>
+              <a:t>k </a:t>
+            </a:r>
+            <a:r>
+              <a:rPr lang="ru-RU" dirty="0" smtClean="0"/>
+              <a:t>пар на которых можем обучиться, на </a:t>
+            </a:r>
+            <a:r>
+              <a:rPr lang="en-US" dirty="0" smtClean="0"/>
+              <a:t>k-1 </a:t>
+            </a:r>
+            <a:r>
+              <a:rPr lang="ru-RU" dirty="0" smtClean="0"/>
+              <a:t>учимся, пытаемся исправить одну </a:t>
+            </a:r>
+          </a:p>
+          <a:p>
+            <a:r>
+              <a:rPr lang="ru-RU" dirty="0"/>
+              <a:t>Р</a:t>
+            </a:r>
+            <a:r>
+              <a:rPr lang="ru-RU" dirty="0" smtClean="0"/>
+              <a:t>езультаты: сколько из таких смогли исправить</a:t>
+            </a:r>
+          </a:p>
+          <a:p>
+            <a:r>
+              <a:rPr lang="ru-RU" dirty="0" smtClean="0"/>
+              <a:t>Дополнительно: сколько еще решений смогли исправить </a:t>
+            </a:r>
+          </a:p>
+        </p:txBody>
+      </p:sp>
+      <p:sp>
+        <p:nvSpPr>
+          <p:cNvPr id="3" name="Заголовок 2"/>
+          <p:cNvSpPr>
+            <a:spLocks noGrp="1"/>
+          </p:cNvSpPr>
+          <p:nvPr>
+            <p:ph type="title"/>
+          </p:nvPr>
+        </p:nvSpPr>
+        <p:spPr/>
+        <p:txBody>
+          <a:bodyPr/>
+          <a:lstStyle/>
+          <a:p>
+            <a:r>
+              <a:rPr lang="ru-RU" dirty="0" smtClean="0"/>
+              <a:t>Тестирование</a:t>
+            </a:r>
+            <a:endParaRPr lang="ru-RU" dirty="0"/>
+          </a:p>
+        </p:txBody>
+      </p:sp>
+      <p:sp>
+        <p:nvSpPr>
+          <p:cNvPr id="4" name="Нижний колонтитул 3"/>
+          <p:cNvSpPr>
+            <a:spLocks noGrp="1"/>
+          </p:cNvSpPr>
+          <p:nvPr>
+            <p:ph type="ftr" sz="quarter" idx="10"/>
+          </p:nvPr>
+        </p:nvSpPr>
+        <p:spPr/>
+        <p:txBody>
+          <a:bodyPr/>
+          <a:lstStyle/>
+          <a:p>
+            <a:pPr>
+              <a:defRPr/>
+            </a:pPr>
+            <a:r>
+              <a:rPr lang="ru-RU" dirty="0"/>
+              <a:t>Шовкопляс Григорий, </a:t>
+            </a:r>
+            <a:r>
+              <a:rPr lang="ru-RU" dirty="0" smtClean="0"/>
+              <a:t>М3439</a:t>
+            </a:r>
+            <a:endParaRPr lang="ru-RU" dirty="0"/>
+          </a:p>
+        </p:txBody>
+      </p:sp>
+      <p:pic>
+        <p:nvPicPr>
+          <p:cNvPr id="3074" name="Picture 2" descr="C:\F\git\diplom\text\pics\res-1.png"/>
+          <p:cNvPicPr>
+            <a:picLocks noChangeAspect="1" noChangeArrowheads="1"/>
+          </p:cNvPicPr>
           <p:nvPr/>
-        </p:nvSpPr>
-        <p:spPr>
+        </p:nvPicPr>
+        <p:blipFill>
+          <a:blip r:embed="rId2">
+            <a:extLst>
+              <a:ext uri="{28A0092B-C50C-407E-A947-70E740481C1C}">
+                <a14:useLocalDpi xmlns:a14="http://schemas.microsoft.com/office/drawing/2010/main" val="0"/>
+              </a:ext>
+            </a:extLst>
+          </a:blip>
+          <a:srcRect/>
+          <a:stretch>
+            <a:fillRect/>
+          </a:stretch>
+        </p:blipFill>
+        <p:spPr bwMode="auto">
           <a:xfrm>
-            <a:off x="1371600" y="6132447"/>
-            <a:ext cx="6400800" cy="304798"/>
+            <a:off x="580990" y="2677885"/>
+            <a:ext cx="7700861" cy="1864356"/>
           </a:xfrm>
           <a:prstGeom prst="rect">
             <a:avLst/>
           </a:prstGeom>
+          <a:noFill/>
+          <a:extLst>
+            <a:ext uri="{909E8E84-426E-40DD-AFC4-6F175D3DCCD1}">
+              <a14:hiddenFill xmlns:a14="http://schemas.microsoft.com/office/drawing/2010/main">
+                <a:solidFill>
+                  <a:srgbClr val="FFFFFF"/>
+                </a:solidFill>
+              </a14:hiddenFill>
+            </a:ext>
+          </a:extLst>
         </p:spPr>
-        <p:txBody>
-          <a:bodyPr/>
-          <a:lstStyle>
-            <a:lvl1pPr marL="342900" indent="-342900" algn="l" defTabSz="457200" rtl="0" eaLnBrk="1" latinLnBrk="0" hangingPunct="1">
-              <a:spcBef>
-                <a:spcPct val="20000"/>
-              </a:spcBef>
-              <a:buSzPct val="100000"/>
-              <a:buFontTx/>
-              <a:buBlip>
-                <a:blip r:embed="rId2"/>
-              </a:buBlip>
-              <a:defRPr sz="2000" kern="1200">
-                <a:solidFill>
-                  <a:schemeClr val="tx1"/>
-                </a:solidFill>
-                <a:latin typeface="+mn-lt"/>
-                <a:ea typeface="+mn-ea"/>
-                <a:cs typeface="+mn-cs"/>
-              </a:defRPr>
-            </a:lvl1pPr>
-            <a:lvl2pPr marL="742950" indent="-285750" algn="l" defTabSz="457200" rtl="0" eaLnBrk="1" latinLnBrk="0" hangingPunct="1">
-              <a:spcBef>
-                <a:spcPct val="20000"/>
-              </a:spcBef>
-              <a:buFont typeface="Arial"/>
-              <a:buChar char="•"/>
-              <a:defRPr sz="2000" kern="1200">
-                <a:solidFill>
-                  <a:schemeClr val="tx1"/>
-                </a:solidFill>
-                <a:latin typeface="+mn-lt"/>
-                <a:ea typeface="+mn-ea"/>
-                <a:cs typeface="+mn-cs"/>
-              </a:defRPr>
-            </a:lvl2pPr>
-            <a:lvl3pPr marL="1143000" indent="-228600" algn="l" defTabSz="457200" rtl="0" eaLnBrk="1" latinLnBrk="0" hangingPunct="1">
-              <a:spcBef>
-                <a:spcPct val="20000"/>
-              </a:spcBef>
-              <a:buFont typeface="Arial"/>
-              <a:buChar char="•"/>
-              <a:defRPr sz="1600" kern="1200">
-                <a:solidFill>
-                  <a:schemeClr val="tx1"/>
-                </a:solidFill>
-                <a:latin typeface="+mn-lt"/>
-                <a:ea typeface="+mn-ea"/>
-                <a:cs typeface="+mn-cs"/>
-              </a:defRPr>
-            </a:lvl3pPr>
-            <a:lvl4pPr marL="1600200" indent="-228600" algn="l" defTabSz="457200" rtl="0" eaLnBrk="1" latinLnBrk="0" hangingPunct="1">
-              <a:spcBef>
-                <a:spcPct val="20000"/>
-              </a:spcBef>
-              <a:buFont typeface="Arial"/>
-              <a:buChar char="•"/>
-              <a:defRPr sz="1600" kern="1200">
-                <a:solidFill>
-                  <a:schemeClr val="tx1"/>
-                </a:solidFill>
-                <a:latin typeface="+mn-lt"/>
-                <a:ea typeface="+mn-ea"/>
-                <a:cs typeface="+mn-cs"/>
-              </a:defRPr>
-            </a:lvl4pPr>
-            <a:lvl5pPr marL="2057400" indent="-228600" algn="l" defTabSz="457200" rtl="0" eaLnBrk="1" latinLnBrk="0" hangingPunct="1">
-              <a:spcBef>
-                <a:spcPct val="20000"/>
-              </a:spcBef>
-              <a:buFont typeface="Arial"/>
-              <a:buChar char="•"/>
-              <a:defRPr sz="1600" kern="1200">
-                <a:solidFill>
-                  <a:schemeClr val="tx1"/>
-                </a:solidFill>
-                <a:latin typeface="+mn-lt"/>
-                <a:ea typeface="+mn-ea"/>
-                <a:cs typeface="+mn-cs"/>
-              </a:defRPr>
-            </a:lvl5pPr>
-            <a:lvl6pPr marL="2514600" indent="-228600" algn="l" defTabSz="457200" rtl="0" eaLnBrk="1" latinLnBrk="0" hangingPunct="1">
-              <a:spcBef>
-                <a:spcPct val="20000"/>
-              </a:spcBef>
-              <a:buFont typeface="Arial"/>
-              <a:buChar char="•"/>
-              <a:defRPr sz="2000" kern="1200">
-                <a:solidFill>
-                  <a:schemeClr val="tx1"/>
-                </a:solidFill>
-                <a:latin typeface="+mn-lt"/>
-                <a:ea typeface="+mn-ea"/>
-                <a:cs typeface="+mn-cs"/>
-              </a:defRPr>
-            </a:lvl6pPr>
-            <a:lvl7pPr marL="2971800" indent="-228600" algn="l" defTabSz="457200" rtl="0" eaLnBrk="1" latinLnBrk="0" hangingPunct="1">
-              <a:spcBef>
-                <a:spcPct val="20000"/>
-              </a:spcBef>
-              <a:buFont typeface="Arial"/>
-              <a:buChar char="•"/>
-              <a:defRPr sz="2000" kern="1200">
-                <a:solidFill>
-                  <a:schemeClr val="tx1"/>
-                </a:solidFill>
-                <a:latin typeface="+mn-lt"/>
-                <a:ea typeface="+mn-ea"/>
-                <a:cs typeface="+mn-cs"/>
-              </a:defRPr>
-            </a:lvl7pPr>
-            <a:lvl8pPr marL="3429000" indent="-228600" algn="l" defTabSz="457200" rtl="0" eaLnBrk="1" latinLnBrk="0" hangingPunct="1">
-              <a:spcBef>
-                <a:spcPct val="20000"/>
-              </a:spcBef>
-              <a:buFont typeface="Arial"/>
-              <a:buChar char="•"/>
-              <a:defRPr sz="2000" kern="1200">
-                <a:solidFill>
-                  <a:schemeClr val="tx1"/>
-                </a:solidFill>
-                <a:latin typeface="+mn-lt"/>
-                <a:ea typeface="+mn-ea"/>
-                <a:cs typeface="+mn-cs"/>
-              </a:defRPr>
-            </a:lvl8pPr>
-            <a:lvl9pPr marL="3886200" indent="-228600" algn="l" defTabSz="457200" rtl="0" eaLnBrk="1" latinLnBrk="0" hangingPunct="1">
-              <a:spcBef>
-                <a:spcPct val="20000"/>
-              </a:spcBef>
-              <a:buFont typeface="Arial"/>
-              <a:buChar char="•"/>
-              <a:defRPr sz="2000" kern="1200">
-                <a:solidFill>
-                  <a:schemeClr val="tx1"/>
-                </a:solidFill>
-                <a:latin typeface="+mn-lt"/>
-                <a:ea typeface="+mn-ea"/>
-                <a:cs typeface="+mn-cs"/>
-              </a:defRPr>
-            </a:lvl9pPr>
-          </a:lstStyle>
-          <a:p>
-            <a:pPr marL="0" indent="0" algn="ctr">
-              <a:buNone/>
-            </a:pPr>
-            <a:r>
-              <a:rPr lang="ru-RU" sz="1200" dirty="0" smtClean="0">
-                <a:solidFill>
-                  <a:schemeClr val="bg1"/>
-                </a:solidFill>
-              </a:rPr>
-              <a:t>Санкт-Петербург</a:t>
-            </a:r>
-            <a:r>
-              <a:rPr lang="en-US" sz="1200" dirty="0" smtClean="0">
-                <a:solidFill>
-                  <a:schemeClr val="bg1"/>
-                </a:solidFill>
-              </a:rPr>
-              <a:t>, 2017</a:t>
-            </a:r>
-            <a:endParaRPr lang="en-US" sz="1200" dirty="0">
-              <a:solidFill>
-                <a:schemeClr val="bg1"/>
-              </a:solidFill>
-            </a:endParaRPr>
-          </a:p>
-        </p:txBody>
-      </p:sp>
+      </p:pic>
     </p:spTree>
     <p:extLst>
       <p:ext uri="{BB962C8B-B14F-4D97-AF65-F5344CB8AC3E}">
-        <p14:creationId xmlns:p14="http://schemas.microsoft.com/office/powerpoint/2010/main" val="3274137146"/>
+        <p14:creationId xmlns:p14="http://schemas.microsoft.com/office/powerpoint/2010/main" val="1073926489"/>
+      </p:ext>
+    </p:extLst>
+  </p:cSld>
+  <p:clrMapOvr>
+    <a:masterClrMapping/>
+  </p:clrMapOvr>
+  <p:timing>
+    <p:tnLst>
+      <p:par>
+        <p:cTn id="1" dur="indefinite" restart="never" nodeType="tmRoot"/>
+      </p:par>
+    </p:tnLst>
+  </p:timing>
+</p:sld>
+</file>
+
+<file path=ppt/slides/slide17.xml><?xml version="1.0" encoding="utf-8"?>
+<p:sld xmlns:a="http://schemas.openxmlformats.org/drawingml/2006/main" xmlns:r="http://schemas.openxmlformats.org/officeDocument/2006/relationships" xmlns:p="http://schemas.openxmlformats.org/presentationml/2006/main">
+  <p:cSld>
+    <p:spTree>
+      <p:nvGrpSpPr>
+        <p:cNvPr id="1" name=""/>
+        <p:cNvGrpSpPr/>
+        <p:nvPr/>
+      </p:nvGrpSpPr>
+      <p:grpSpPr>
+        <a:xfrm>
+          <a:off x="0" y="0"/>
+          <a:ext cx="0" cy="0"/>
+          <a:chOff x="0" y="0"/>
+          <a:chExt cx="0" cy="0"/>
+        </a:xfrm>
+      </p:grpSpPr>
+      <p:sp>
+        <p:nvSpPr>
+          <p:cNvPr id="3" name="Заголовок 2"/>
+          <p:cNvSpPr>
+            <a:spLocks noGrp="1"/>
+          </p:cNvSpPr>
+          <p:nvPr>
+            <p:ph type="title"/>
+          </p:nvPr>
+        </p:nvSpPr>
+        <p:spPr/>
+        <p:txBody>
+          <a:bodyPr/>
+          <a:lstStyle/>
+          <a:p>
+            <a:r>
+              <a:rPr lang="ru-RU" dirty="0" smtClean="0"/>
+              <a:t>Фрагменты программ для примера</a:t>
+            </a:r>
+            <a:endParaRPr lang="ru-RU" dirty="0"/>
+          </a:p>
+        </p:txBody>
+      </p:sp>
+      <p:sp>
+        <p:nvSpPr>
+          <p:cNvPr id="4" name="Нижний колонтитул 3"/>
+          <p:cNvSpPr>
+            <a:spLocks noGrp="1"/>
+          </p:cNvSpPr>
+          <p:nvPr>
+            <p:ph type="ftr" sz="quarter" idx="10"/>
+          </p:nvPr>
+        </p:nvSpPr>
+        <p:spPr/>
+        <p:txBody>
+          <a:bodyPr/>
+          <a:lstStyle/>
+          <a:p>
+            <a:pPr>
+              <a:defRPr/>
+            </a:pPr>
+            <a:r>
+              <a:rPr lang="ru-RU" dirty="0"/>
+              <a:t>Шовкопляс Григорий, </a:t>
+            </a:r>
+            <a:r>
+              <a:rPr lang="ru-RU" dirty="0" smtClean="0"/>
+              <a:t>М3439</a:t>
+            </a:r>
+            <a:endParaRPr lang="ru-RU" dirty="0"/>
+          </a:p>
+        </p:txBody>
+      </p:sp>
+      <p:pic>
+        <p:nvPicPr>
+          <p:cNvPr id="1026" name="Picture 2" descr="C:\F\git\diplom\text\pics\sample1.png"/>
+          <p:cNvPicPr>
+            <a:picLocks noChangeAspect="1" noChangeArrowheads="1"/>
+          </p:cNvPicPr>
+          <p:nvPr/>
+        </p:nvPicPr>
+        <p:blipFill>
+          <a:blip r:embed="rId2">
+            <a:extLst>
+              <a:ext uri="{28A0092B-C50C-407E-A947-70E740481C1C}">
+                <a14:useLocalDpi xmlns:a14="http://schemas.microsoft.com/office/drawing/2010/main" val="0"/>
+              </a:ext>
+            </a:extLst>
+          </a:blip>
+          <a:srcRect/>
+          <a:stretch>
+            <a:fillRect/>
+          </a:stretch>
+        </p:blipFill>
+        <p:spPr bwMode="auto">
+          <a:xfrm>
+            <a:off x="550908" y="1802560"/>
+            <a:ext cx="3333750" cy="1152525"/>
+          </a:xfrm>
+          <a:prstGeom prst="rect">
+            <a:avLst/>
+          </a:prstGeom>
+          <a:noFill/>
+          <a:extLst>
+            <a:ext uri="{909E8E84-426E-40DD-AFC4-6F175D3DCCD1}">
+              <a14:hiddenFill xmlns:a14="http://schemas.microsoft.com/office/drawing/2010/main">
+                <a:solidFill>
+                  <a:srgbClr val="FFFFFF"/>
+                </a:solidFill>
+              </a14:hiddenFill>
+            </a:ext>
+          </a:extLst>
+        </p:spPr>
+      </p:pic>
+      <p:pic>
+        <p:nvPicPr>
+          <p:cNvPr id="1027" name="Picture 3" descr="C:\F\git\diplom\text\pics\sample2.png"/>
+          <p:cNvPicPr>
+            <a:picLocks noChangeAspect="1" noChangeArrowheads="1"/>
+          </p:cNvPicPr>
+          <p:nvPr/>
+        </p:nvPicPr>
+        <p:blipFill>
+          <a:blip r:embed="rId3">
+            <a:extLst>
+              <a:ext uri="{28A0092B-C50C-407E-A947-70E740481C1C}">
+                <a14:useLocalDpi xmlns:a14="http://schemas.microsoft.com/office/drawing/2010/main" val="0"/>
+              </a:ext>
+            </a:extLst>
+          </a:blip>
+          <a:srcRect/>
+          <a:stretch>
+            <a:fillRect/>
+          </a:stretch>
+        </p:blipFill>
+        <p:spPr bwMode="auto">
+          <a:xfrm>
+            <a:off x="5190536" y="1802559"/>
+            <a:ext cx="3333750" cy="1152525"/>
+          </a:xfrm>
+          <a:prstGeom prst="rect">
+            <a:avLst/>
+          </a:prstGeom>
+          <a:noFill/>
+          <a:extLst>
+            <a:ext uri="{909E8E84-426E-40DD-AFC4-6F175D3DCCD1}">
+              <a14:hiddenFill xmlns:a14="http://schemas.microsoft.com/office/drawing/2010/main">
+                <a:solidFill>
+                  <a:srgbClr val="FFFFFF"/>
+                </a:solidFill>
+              </a14:hiddenFill>
+            </a:ext>
+          </a:extLst>
+        </p:spPr>
+      </p:pic>
+      <p:pic>
+        <p:nvPicPr>
+          <p:cNvPr id="1028" name="Picture 4" descr="C:\F\git\diplom\text\pics\sample3.png"/>
+          <p:cNvPicPr>
+            <a:picLocks noChangeAspect="1" noChangeArrowheads="1"/>
+          </p:cNvPicPr>
+          <p:nvPr/>
+        </p:nvPicPr>
+        <p:blipFill>
+          <a:blip r:embed="rId4">
+            <a:extLst>
+              <a:ext uri="{28A0092B-C50C-407E-A947-70E740481C1C}">
+                <a14:useLocalDpi xmlns:a14="http://schemas.microsoft.com/office/drawing/2010/main" val="0"/>
+              </a:ext>
+            </a:extLst>
+          </a:blip>
+          <a:srcRect/>
+          <a:stretch>
+            <a:fillRect/>
+          </a:stretch>
+        </p:blipFill>
+        <p:spPr bwMode="auto">
+          <a:xfrm>
+            <a:off x="550906" y="3120526"/>
+            <a:ext cx="8239125" cy="1152525"/>
+          </a:xfrm>
+          <a:prstGeom prst="rect">
+            <a:avLst/>
+          </a:prstGeom>
+          <a:noFill/>
+          <a:extLst>
+            <a:ext uri="{909E8E84-426E-40DD-AFC4-6F175D3DCCD1}">
+              <a14:hiddenFill xmlns:a14="http://schemas.microsoft.com/office/drawing/2010/main">
+                <a:solidFill>
+                  <a:srgbClr val="FFFFFF"/>
+                </a:solidFill>
+              </a14:hiddenFill>
+            </a:ext>
+          </a:extLst>
+        </p:spPr>
+      </p:pic>
+      <p:pic>
+        <p:nvPicPr>
+          <p:cNvPr id="1029" name="Picture 5" descr="C:\F\git\diplom\text\pics\sample4.png"/>
+          <p:cNvPicPr>
+            <a:picLocks noChangeAspect="1" noChangeArrowheads="1"/>
+          </p:cNvPicPr>
+          <p:nvPr/>
+        </p:nvPicPr>
+        <p:blipFill>
+          <a:blip r:embed="rId5">
+            <a:extLst>
+              <a:ext uri="{28A0092B-C50C-407E-A947-70E740481C1C}">
+                <a14:useLocalDpi xmlns:a14="http://schemas.microsoft.com/office/drawing/2010/main" val="0"/>
+              </a:ext>
+            </a:extLst>
+          </a:blip>
+          <a:srcRect/>
+          <a:stretch>
+            <a:fillRect/>
+          </a:stretch>
+        </p:blipFill>
+        <p:spPr bwMode="auto">
+          <a:xfrm>
+            <a:off x="550907" y="4904830"/>
+            <a:ext cx="7172325" cy="1581150"/>
+          </a:xfrm>
+          <a:prstGeom prst="rect">
+            <a:avLst/>
+          </a:prstGeom>
+          <a:noFill/>
+          <a:extLst>
+            <a:ext uri="{909E8E84-426E-40DD-AFC4-6F175D3DCCD1}">
+              <a14:hiddenFill xmlns:a14="http://schemas.microsoft.com/office/drawing/2010/main">
+                <a:solidFill>
+                  <a:srgbClr val="FFFFFF"/>
+                </a:solidFill>
+              </a14:hiddenFill>
+            </a:ext>
+          </a:extLst>
+        </p:spPr>
+      </p:pic>
+      <p:sp>
+        <p:nvSpPr>
+          <p:cNvPr id="5" name="Стрелка вправо 4"/>
+          <p:cNvSpPr/>
+          <p:nvPr/>
+        </p:nvSpPr>
+        <p:spPr>
+          <a:xfrm>
+            <a:off x="4049605" y="2136505"/>
+            <a:ext cx="978408" cy="484632"/>
+          </a:xfrm>
+          <a:prstGeom prst="rightArrow">
+            <a:avLst/>
+          </a:prstGeom>
+          <a:solidFill>
+            <a:schemeClr val="tx2"/>
+          </a:solidFill>
+          <a:ln>
+            <a:solidFill>
+              <a:schemeClr val="tx2"/>
+            </a:solidFill>
+          </a:ln>
+        </p:spPr>
+        <p:style>
+          <a:lnRef idx="1">
+            <a:schemeClr val="accent1"/>
+          </a:lnRef>
+          <a:fillRef idx="3">
+            <a:schemeClr val="accent1"/>
+          </a:fillRef>
+          <a:effectRef idx="2">
+            <a:schemeClr val="accent1"/>
+          </a:effectRef>
+          <a:fontRef idx="minor">
+            <a:schemeClr val="lt1"/>
+          </a:fontRef>
+        </p:style>
+        <p:txBody>
+          <a:bodyPr rtlCol="0" anchor="ctr"/>
+          <a:lstStyle/>
+          <a:p>
+            <a:pPr algn="ctr"/>
+            <a:endParaRPr lang="ru-RU">
+              <a:solidFill>
+                <a:schemeClr val="tx1"/>
+              </a:solidFill>
+            </a:endParaRPr>
+          </a:p>
+        </p:txBody>
+      </p:sp>
+      <p:sp>
+        <p:nvSpPr>
+          <p:cNvPr id="6" name="Стрелка вниз 5"/>
+          <p:cNvSpPr/>
+          <p:nvPr/>
+        </p:nvSpPr>
+        <p:spPr>
+          <a:xfrm>
+            <a:off x="4296493" y="4273051"/>
+            <a:ext cx="484632" cy="631779"/>
+          </a:xfrm>
+          <a:prstGeom prst="downArrow">
+            <a:avLst/>
+          </a:prstGeom>
+          <a:solidFill>
+            <a:schemeClr val="tx2"/>
+          </a:solidFill>
+          <a:ln>
+            <a:solidFill>
+              <a:schemeClr val="tx2"/>
+            </a:solidFill>
+          </a:ln>
+        </p:spPr>
+        <p:style>
+          <a:lnRef idx="1">
+            <a:schemeClr val="accent1"/>
+          </a:lnRef>
+          <a:fillRef idx="3">
+            <a:schemeClr val="accent1"/>
+          </a:fillRef>
+          <a:effectRef idx="2">
+            <a:schemeClr val="accent1"/>
+          </a:effectRef>
+          <a:fontRef idx="minor">
+            <a:schemeClr val="lt1"/>
+          </a:fontRef>
+        </p:style>
+        <p:txBody>
+          <a:bodyPr rtlCol="0" anchor="ctr"/>
+          <a:lstStyle/>
+          <a:p>
+            <a:pPr algn="ctr"/>
+            <a:endParaRPr lang="ru-RU"/>
+          </a:p>
+        </p:txBody>
+      </p:sp>
+    </p:spTree>
+    <p:extLst>
+      <p:ext uri="{BB962C8B-B14F-4D97-AF65-F5344CB8AC3E}">
+        <p14:creationId xmlns:p14="http://schemas.microsoft.com/office/powerpoint/2010/main" val="3282418060"/>
+      </p:ext>
+    </p:extLst>
+  </p:cSld>
+  <p:clrMapOvr>
+    <a:masterClrMapping/>
+  </p:clrMapOvr>
+  <p:timing>
+    <p:tnLst>
+      <p:par>
+        <p:cTn id="1" dur="indefinite" restart="never" nodeType="tmRoot"/>
+      </p:par>
+    </p:tnLst>
+  </p:timing>
+</p:sld>
+</file>
+
+<file path=ppt/slides/slide18.xml><?xml version="1.0" encoding="utf-8"?>
+<p:sld xmlns:a="http://schemas.openxmlformats.org/drawingml/2006/main" xmlns:r="http://schemas.openxmlformats.org/officeDocument/2006/relationships" xmlns:p="http://schemas.openxmlformats.org/presentationml/2006/main">
+  <p:cSld>
+    <p:spTree>
+      <p:nvGrpSpPr>
+        <p:cNvPr id="1" name=""/>
+        <p:cNvGrpSpPr/>
+        <p:nvPr/>
+      </p:nvGrpSpPr>
+      <p:grpSpPr>
+        <a:xfrm>
+          <a:off x="0" y="0"/>
+          <a:ext cx="0" cy="0"/>
+          <a:chOff x="0" y="0"/>
+          <a:chExt cx="0" cy="0"/>
+        </a:xfrm>
+      </p:grpSpPr>
+      <p:sp>
+        <p:nvSpPr>
+          <p:cNvPr id="2" name="Объект 1"/>
+          <p:cNvSpPr>
+            <a:spLocks noGrp="1"/>
+          </p:cNvSpPr>
+          <p:nvPr>
+            <p:ph sz="half" idx="1"/>
+          </p:nvPr>
+        </p:nvSpPr>
+        <p:spPr/>
+        <p:txBody>
+          <a:bodyPr/>
+          <a:lstStyle/>
+          <a:p>
+            <a:r>
+              <a:rPr lang="ru-RU" dirty="0" smtClean="0"/>
+              <a:t>Разработан метод синтеза исправлений для неверных решений задач по программированию</a:t>
+            </a:r>
+          </a:p>
+          <a:p>
+            <a:r>
+              <a:rPr lang="ru-RU" dirty="0"/>
+              <a:t> </a:t>
+            </a:r>
+            <a:r>
+              <a:rPr lang="ru-RU" dirty="0" smtClean="0"/>
+              <a:t>На возможных для рассмотрения парах задача-тест </a:t>
+            </a:r>
+            <a:r>
+              <a:rPr lang="ru-RU" dirty="0"/>
+              <a:t>результативность </a:t>
+            </a:r>
+            <a:r>
+              <a:rPr lang="ru-RU" dirty="0" smtClean="0"/>
+              <a:t>превышает 30%, несмотря </a:t>
+            </a:r>
+            <a:r>
+              <a:rPr lang="ru-RU" dirty="0"/>
+              <a:t>на то, </a:t>
+            </a:r>
+            <a:r>
+              <a:rPr lang="ru-RU" dirty="0" smtClean="0"/>
+              <a:t>что: </a:t>
+            </a:r>
+          </a:p>
+          <a:p>
+            <a:pPr lvl="1"/>
+            <a:r>
+              <a:rPr lang="ru-RU" dirty="0" smtClean="0"/>
+              <a:t>В рассмотренной олимпиаде не так много тестов, </a:t>
+            </a:r>
+            <a:r>
+              <a:rPr lang="ru-RU" dirty="0"/>
+              <a:t>где применимы </a:t>
+            </a:r>
+            <a:r>
+              <a:rPr lang="ru-RU" dirty="0" smtClean="0"/>
+              <a:t>исправления подобного</a:t>
+            </a:r>
+          </a:p>
+          <a:p>
+            <a:pPr lvl="1"/>
+            <a:r>
+              <a:rPr lang="ru-RU" dirty="0" smtClean="0"/>
+              <a:t>Выбран не самый популярный язык</a:t>
+            </a:r>
+          </a:p>
+          <a:p>
+            <a:r>
+              <a:rPr lang="ru-RU" dirty="0" smtClean="0"/>
+              <a:t>Получаем </a:t>
+            </a:r>
+            <a:r>
+              <a:rPr lang="ru-RU" dirty="0" smtClean="0"/>
+              <a:t>метод, в перспективе готовый к внедрению </a:t>
+            </a:r>
+            <a:r>
+              <a:rPr lang="ru-RU" dirty="0"/>
+              <a:t>при помощи плагина в </a:t>
+            </a:r>
+            <a:r>
+              <a:rPr lang="en-US" dirty="0" smtClean="0"/>
+              <a:t>PCMS2 </a:t>
+            </a:r>
+            <a:r>
+              <a:rPr lang="ru-RU" dirty="0" smtClean="0"/>
+              <a:t>для </a:t>
+            </a:r>
+            <a:r>
+              <a:rPr lang="ru-RU" dirty="0"/>
+              <a:t>использования </a:t>
+            </a:r>
+            <a:r>
+              <a:rPr lang="ru-RU" dirty="0" smtClean="0"/>
+              <a:t>в обучении </a:t>
+            </a:r>
+            <a:r>
+              <a:rPr lang="ru-RU" dirty="0"/>
+              <a:t>(в том </a:t>
+            </a:r>
+            <a:r>
+              <a:rPr lang="ru-RU" dirty="0" smtClean="0"/>
+              <a:t>числе на </a:t>
+            </a:r>
+            <a:r>
+              <a:rPr lang="ru-RU" dirty="0"/>
+              <a:t>массовых </a:t>
+            </a:r>
+            <a:r>
+              <a:rPr lang="ru-RU" dirty="0" smtClean="0"/>
+              <a:t>онлайн-курсах)</a:t>
+            </a:r>
+            <a:endParaRPr lang="ru-RU" dirty="0" smtClean="0"/>
+          </a:p>
+        </p:txBody>
+      </p:sp>
+      <p:sp>
+        <p:nvSpPr>
+          <p:cNvPr id="3" name="Заголовок 2"/>
+          <p:cNvSpPr>
+            <a:spLocks noGrp="1"/>
+          </p:cNvSpPr>
+          <p:nvPr>
+            <p:ph type="title"/>
+          </p:nvPr>
+        </p:nvSpPr>
+        <p:spPr/>
+        <p:txBody>
+          <a:bodyPr/>
+          <a:lstStyle/>
+          <a:p>
+            <a:r>
+              <a:rPr lang="ru-RU" dirty="0" smtClean="0"/>
+              <a:t>Результаты</a:t>
+            </a:r>
+            <a:endParaRPr lang="ru-RU" dirty="0"/>
+          </a:p>
+        </p:txBody>
+      </p:sp>
+      <p:sp>
+        <p:nvSpPr>
+          <p:cNvPr id="4" name="Нижний колонтитул 3"/>
+          <p:cNvSpPr>
+            <a:spLocks noGrp="1"/>
+          </p:cNvSpPr>
+          <p:nvPr>
+            <p:ph type="ftr" sz="quarter" idx="10"/>
+          </p:nvPr>
+        </p:nvSpPr>
+        <p:spPr/>
+        <p:txBody>
+          <a:bodyPr/>
+          <a:lstStyle/>
+          <a:p>
+            <a:pPr>
+              <a:defRPr/>
+            </a:pPr>
+            <a:r>
+              <a:rPr lang="ru-RU" dirty="0"/>
+              <a:t>Шовкопляс Григорий, </a:t>
+            </a:r>
+            <a:r>
+              <a:rPr lang="ru-RU" dirty="0" smtClean="0"/>
+              <a:t>М3439</a:t>
+            </a:r>
+            <a:endParaRPr lang="ru-RU" dirty="0"/>
+          </a:p>
+        </p:txBody>
+      </p:sp>
+    </p:spTree>
+    <p:extLst>
+      <p:ext uri="{BB962C8B-B14F-4D97-AF65-F5344CB8AC3E}">
+        <p14:creationId xmlns:p14="http://schemas.microsoft.com/office/powerpoint/2010/main" val="3339536594"/>
       </p:ext>
     </p:extLst>
   </p:cSld>
@@ -6090,15 +6669,7 @@
             <a:pPr lvl="1"/>
             <a:r>
               <a:rPr lang="ru-RU" sz="2000" dirty="0" smtClean="0"/>
-              <a:t>Н</a:t>
-            </a:r>
-            <a:r>
-              <a:rPr lang="ru-RU" sz="2000" dirty="0" smtClean="0"/>
-              <a:t>еправильные </a:t>
-            </a:r>
-            <a:r>
-              <a:rPr lang="ru-RU" sz="2000" dirty="0" smtClean="0"/>
-              <a:t>типы, константы и т.п.</a:t>
+              <a:t>Неправильные типы, константы и т.п.</a:t>
             </a:r>
           </a:p>
           <a:p>
@@ -6107,11 +6678,7 @@
             </a:pPr>
             <a:r>
               <a:rPr lang="ru-RU" dirty="0" smtClean="0"/>
-              <a:t>Сфокусируемся </a:t>
-            </a:r>
-            <a:r>
-              <a:rPr lang="ru-RU" dirty="0" smtClean="0"/>
-              <a:t>именно на «мелких».</a:t>
+              <a:t>Сфокусируемся именно на «мелких».</a:t>
             </a:r>
           </a:p>
           <a:p>
